--- a/progetto programmazione oggetti.pptx
+++ b/progetto programmazione oggetti.pptx
@@ -5,15 +5,16 @@
     <p:sldMasterId id="2147483648" r:id="rId1"/>
   </p:sldMasterIdLst>
   <p:notesMasterIdLst>
-    <p:notesMasterId r:id="rId8"/>
+    <p:notesMasterId r:id="rId9"/>
   </p:notesMasterIdLst>
   <p:sldIdLst>
     <p:sldId id="256" r:id="rId2"/>
     <p:sldId id="262" r:id="rId3"/>
     <p:sldId id="258" r:id="rId4"/>
     <p:sldId id="259" r:id="rId5"/>
-    <p:sldId id="261" r:id="rId6"/>
-    <p:sldId id="257" r:id="rId7"/>
+    <p:sldId id="263" r:id="rId6"/>
+    <p:sldId id="261" r:id="rId7"/>
+    <p:sldId id="257" r:id="rId8"/>
   </p:sldIdLst>
   <p:sldSz cx="12192000" cy="6858000"/>
   <p:notesSz cx="6858000" cy="9144000"/>
@@ -112,6 +113,11 @@
       </a:defRPr>
     </a:lvl9pPr>
   </p:defaultTextStyle>
+  <p:extLst>
+    <p:ext uri="{EFAFB233-063F-42B5-8137-9DF3F51BA10A}">
+      <p15:sldGuideLst xmlns:p15="http://schemas.microsoft.com/office/powerpoint/2012/main"/>
+    </p:ext>
+  </p:extLst>
 </p:presentation>
 </file>
 
@@ -125,6 +131,10 @@
     </p:extLst>
   </p:cmAuthor>
 </p:cmAuthorLst>
+</file>
+
+<file path=ppt/revisionInfo.xml><?xml version="1.0" encoding="utf-8"?>
+<p1510:revInfo xmlns:a="http://schemas.openxmlformats.org/drawingml/2006/main" xmlns:r="http://schemas.openxmlformats.org/officeDocument/2006/relationships" xmlns:p1510="http://schemas.microsoft.com/office/powerpoint/2015/10/main"/>
 </file>
 
 <file path=ppt/comments/comment1.xml><?xml version="1.0" encoding="utf-8"?>
@@ -227,7 +237,7 @@
           <a:p>
             <a:fld id="{6AD97BEA-5D50-4D68-8F74-7F29BC0C858C}" type="datetimeFigureOut">
               <a:rPr lang="it-IT" smtClean="0"/>
-              <a:t>30/10/2017</a:t>
+              <a:t>05/11/2017</a:t>
             </a:fld>
             <a:endParaRPr lang="it-IT"/>
           </a:p>
@@ -725,7 +735,7 @@
           <a:p>
             <a:fld id="{5A594BFC-72EA-2A46-A35A-9BF79A633C35}" type="datetimeFigureOut">
               <a:rPr lang="it-IT"/>
-              <a:t>30/10/2017</a:t>
+              <a:t>05/11/2017</a:t>
             </a:fld>
             <a:endParaRPr lang="it-IT"/>
           </a:p>
@@ -923,7 +933,7 @@
           <a:p>
             <a:fld id="{5A594BFC-72EA-2A46-A35A-9BF79A633C35}" type="datetimeFigureOut">
               <a:rPr lang="it-IT"/>
-              <a:t>30/10/2017</a:t>
+              <a:t>05/11/2017</a:t>
             </a:fld>
             <a:endParaRPr lang="it-IT"/>
           </a:p>
@@ -1131,7 +1141,7 @@
           <a:p>
             <a:fld id="{5A594BFC-72EA-2A46-A35A-9BF79A633C35}" type="datetimeFigureOut">
               <a:rPr lang="it-IT"/>
-              <a:t>30/10/2017</a:t>
+              <a:t>05/11/2017</a:t>
             </a:fld>
             <a:endParaRPr lang="it-IT"/>
           </a:p>
@@ -1329,7 +1339,7 @@
           <a:p>
             <a:fld id="{5A594BFC-72EA-2A46-A35A-9BF79A633C35}" type="datetimeFigureOut">
               <a:rPr lang="it-IT"/>
-              <a:t>30/10/2017</a:t>
+              <a:t>05/11/2017</a:t>
             </a:fld>
             <a:endParaRPr lang="it-IT"/>
           </a:p>
@@ -1604,7 +1614,7 @@
           <a:p>
             <a:fld id="{5A594BFC-72EA-2A46-A35A-9BF79A633C35}" type="datetimeFigureOut">
               <a:rPr lang="it-IT"/>
-              <a:t>30/10/2017</a:t>
+              <a:t>05/11/2017</a:t>
             </a:fld>
             <a:endParaRPr lang="it-IT"/>
           </a:p>
@@ -1869,7 +1879,7 @@
           <a:p>
             <a:fld id="{5A594BFC-72EA-2A46-A35A-9BF79A633C35}" type="datetimeFigureOut">
               <a:rPr lang="it-IT"/>
-              <a:t>30/10/2017</a:t>
+              <a:t>05/11/2017</a:t>
             </a:fld>
             <a:endParaRPr lang="it-IT"/>
           </a:p>
@@ -2281,7 +2291,7 @@
           <a:p>
             <a:fld id="{5A594BFC-72EA-2A46-A35A-9BF79A633C35}" type="datetimeFigureOut">
               <a:rPr lang="it-IT"/>
-              <a:t>30/10/2017</a:t>
+              <a:t>05/11/2017</a:t>
             </a:fld>
             <a:endParaRPr lang="it-IT"/>
           </a:p>
@@ -2422,7 +2432,7 @@
           <a:p>
             <a:fld id="{5A594BFC-72EA-2A46-A35A-9BF79A633C35}" type="datetimeFigureOut">
               <a:rPr lang="it-IT"/>
-              <a:t>30/10/2017</a:t>
+              <a:t>05/11/2017</a:t>
             </a:fld>
             <a:endParaRPr lang="it-IT"/>
           </a:p>
@@ -2535,7 +2545,7 @@
           <a:p>
             <a:fld id="{5A594BFC-72EA-2A46-A35A-9BF79A633C35}" type="datetimeFigureOut">
               <a:rPr lang="it-IT"/>
-              <a:t>30/10/2017</a:t>
+              <a:t>05/11/2017</a:t>
             </a:fld>
             <a:endParaRPr lang="it-IT"/>
           </a:p>
@@ -2846,7 +2856,7 @@
           <a:p>
             <a:fld id="{5A594BFC-72EA-2A46-A35A-9BF79A633C35}" type="datetimeFigureOut">
               <a:rPr lang="it-IT"/>
-              <a:t>30/10/2017</a:t>
+              <a:t>05/11/2017</a:t>
             </a:fld>
             <a:endParaRPr lang="it-IT"/>
           </a:p>
@@ -3134,7 +3144,7 @@
           <a:p>
             <a:fld id="{5A594BFC-72EA-2A46-A35A-9BF79A633C35}" type="datetimeFigureOut">
               <a:rPr lang="it-IT"/>
-              <a:t>30/10/2017</a:t>
+              <a:t>05/11/2017</a:t>
             </a:fld>
             <a:endParaRPr lang="it-IT"/>
           </a:p>
@@ -3375,7 +3385,7 @@
           <a:p>
             <a:fld id="{5A594BFC-72EA-2A46-A35A-9BF79A633C35}" type="datetimeFigureOut">
               <a:rPr lang="it-IT"/>
-              <a:t>30/10/2017</a:t>
+              <a:t>05/11/2017</a:t>
             </a:fld>
             <a:endParaRPr lang="it-IT"/>
           </a:p>
@@ -4490,7 +4500,7 @@
           <a:p>
             <a:pPr algn="ctr"/>
             <a:r>
-              <a:rPr lang="it-IT" sz="4000" b="1">
+              <a:rPr lang="it-IT" sz="4000" b="1" dirty="0">
                 <a:solidFill>
                   <a:srgbClr val="FF0000"/>
                 </a:solidFill>
@@ -4729,6 +4739,266 @@
       </p:grpSpPr>
       <p:sp>
         <p:nvSpPr>
+          <p:cNvPr id="2" name="Titolo 1">
+            <a:extLst>
+              <a:ext uri="{FF2B5EF4-FFF2-40B4-BE49-F238E27FC236}">
+                <a16:creationId xmlns:a16="http://schemas.microsoft.com/office/drawing/2014/main" id="{397C9470-F88F-471C-AD75-892511AD25AF}"/>
+              </a:ext>
+            </a:extLst>
+          </p:cNvPr>
+          <p:cNvSpPr>
+            <a:spLocks noGrp="1"/>
+          </p:cNvSpPr>
+          <p:nvPr>
+            <p:ph type="title"/>
+          </p:nvPr>
+        </p:nvSpPr>
+        <p:spPr/>
+        <p:txBody>
+          <a:bodyPr/>
+          <a:lstStyle/>
+          <a:p>
+            <a:endParaRPr lang="it-IT"/>
+          </a:p>
+        </p:txBody>
+      </p:sp>
+      <p:sp>
+        <p:nvSpPr>
+          <p:cNvPr id="3" name="Segnaposto contenuto 2">
+            <a:extLst>
+              <a:ext uri="{FF2B5EF4-FFF2-40B4-BE49-F238E27FC236}">
+                <a16:creationId xmlns:a16="http://schemas.microsoft.com/office/drawing/2014/main" id="{D87CAC26-C00D-46E4-8654-7BB1AC110DF0}"/>
+              </a:ext>
+            </a:extLst>
+          </p:cNvPr>
+          <p:cNvSpPr>
+            <a:spLocks noGrp="1"/>
+          </p:cNvSpPr>
+          <p:nvPr>
+            <p:ph idx="1"/>
+          </p:nvPr>
+        </p:nvSpPr>
+        <p:spPr/>
+        <p:txBody>
+          <a:bodyPr/>
+          <a:lstStyle/>
+          <a:p>
+            <a:endParaRPr lang="it-IT"/>
+          </a:p>
+        </p:txBody>
+      </p:sp>
+      <p:sp>
+        <p:nvSpPr>
+          <p:cNvPr id="4" name="CasellaDiTesto 3">
+            <a:extLst>
+              <a:ext uri="{FF2B5EF4-FFF2-40B4-BE49-F238E27FC236}">
+                <a16:creationId xmlns:a16="http://schemas.microsoft.com/office/drawing/2014/main" id="{D80BC63A-C8E2-46B2-893E-99BE203C9071}"/>
+              </a:ext>
+            </a:extLst>
+          </p:cNvPr>
+          <p:cNvSpPr txBox="1"/>
+          <p:nvPr/>
+        </p:nvSpPr>
+        <p:spPr>
+          <a:xfrm>
+            <a:off x="0" y="0"/>
+            <a:ext cx="12192000" cy="6858000"/>
+          </a:xfrm>
+          <a:prstGeom prst="rect">
+            <a:avLst/>
+          </a:prstGeom>
+          <a:solidFill>
+            <a:schemeClr val="accent1"/>
+          </a:solidFill>
+        </p:spPr>
+        <p:txBody>
+          <a:bodyPr wrap="square" rtlCol="0">
+            <a:spAutoFit/>
+          </a:bodyPr>
+          <a:lstStyle/>
+          <a:p>
+            <a:pPr algn="l"/>
+            <a:endParaRPr lang="it-IT"/>
+          </a:p>
+        </p:txBody>
+      </p:sp>
+      <p:pic>
+        <p:nvPicPr>
+          <p:cNvPr id="5" name="Immagine 4">
+            <a:extLst>
+              <a:ext uri="{FF2B5EF4-FFF2-40B4-BE49-F238E27FC236}">
+                <a16:creationId xmlns:a16="http://schemas.microsoft.com/office/drawing/2014/main" id="{39145DBE-2213-42F4-A00A-1A18CEE4BDAB}"/>
+              </a:ext>
+            </a:extLst>
+          </p:cNvPr>
+          <p:cNvPicPr>
+            <a:picLocks noChangeAspect="1"/>
+          </p:cNvPicPr>
+          <p:nvPr/>
+        </p:nvPicPr>
+        <p:blipFill>
+          <a:blip r:embed="rId2"/>
+          <a:stretch>
+            <a:fillRect/>
+          </a:stretch>
+        </p:blipFill>
+        <p:spPr>
+          <a:xfrm>
+            <a:off x="5177790" y="1265893"/>
+            <a:ext cx="6343650" cy="4810125"/>
+          </a:xfrm>
+          <a:prstGeom prst="rect">
+            <a:avLst/>
+          </a:prstGeom>
+        </p:spPr>
+      </p:pic>
+      <p:sp>
+        <p:nvSpPr>
+          <p:cNvPr id="6" name="CasellaDiTesto 5">
+            <a:extLst>
+              <a:ext uri="{FF2B5EF4-FFF2-40B4-BE49-F238E27FC236}">
+                <a16:creationId xmlns:a16="http://schemas.microsoft.com/office/drawing/2014/main" id="{F3BE1FB1-3F07-4D45-AD40-02644114CB51}"/>
+              </a:ext>
+            </a:extLst>
+          </p:cNvPr>
+          <p:cNvSpPr txBox="1"/>
+          <p:nvPr/>
+        </p:nvSpPr>
+        <p:spPr>
+          <a:xfrm>
+            <a:off x="1119187" y="192882"/>
+            <a:ext cx="9798843" cy="707886"/>
+          </a:xfrm>
+          <a:prstGeom prst="rect">
+            <a:avLst/>
+          </a:prstGeom>
+          <a:noFill/>
+        </p:spPr>
+        <p:txBody>
+          <a:bodyPr wrap="square" rtlCol="0">
+            <a:spAutoFit/>
+          </a:bodyPr>
+          <a:lstStyle/>
+          <a:p>
+            <a:pPr algn="ctr"/>
+            <a:r>
+              <a:rPr lang="it-IT" sz="4000" b="1" dirty="0">
+                <a:solidFill>
+                  <a:srgbClr val="FF0000"/>
+                </a:solidFill>
+              </a:rPr>
+              <a:t>LATO UTENTE</a:t>
+            </a:r>
+          </a:p>
+        </p:txBody>
+      </p:sp>
+      <p:sp>
+        <p:nvSpPr>
+          <p:cNvPr id="7" name="CasellaDiTesto 6">
+            <a:extLst>
+              <a:ext uri="{FF2B5EF4-FFF2-40B4-BE49-F238E27FC236}">
+                <a16:creationId xmlns:a16="http://schemas.microsoft.com/office/drawing/2014/main" id="{AD2F9D55-78E2-46B7-B3FE-B7781F59D4A9}"/>
+              </a:ext>
+            </a:extLst>
+          </p:cNvPr>
+          <p:cNvSpPr txBox="1"/>
+          <p:nvPr/>
+        </p:nvSpPr>
+        <p:spPr>
+          <a:xfrm>
+            <a:off x="548640" y="1763591"/>
+            <a:ext cx="4210050" cy="4154984"/>
+          </a:xfrm>
+          <a:prstGeom prst="rect">
+            <a:avLst/>
+          </a:prstGeom>
+          <a:noFill/>
+        </p:spPr>
+        <p:txBody>
+          <a:bodyPr wrap="square" rtlCol="0">
+            <a:spAutoFit/>
+          </a:bodyPr>
+          <a:lstStyle/>
+          <a:p>
+            <a:r>
+              <a:rPr lang="it-IT" sz="2400" dirty="0"/>
+              <a:t>Una volta effettuato il login l’utente accede all’homepage   dove viene mostrato un riepilogo dei suoi dati.</a:t>
+            </a:r>
+          </a:p>
+          <a:p>
+            <a:r>
+              <a:rPr lang="it-IT" sz="2400" dirty="0"/>
+              <a:t>L’utente, inoltre, può scegliere di:</a:t>
+            </a:r>
+          </a:p>
+          <a:p>
+            <a:pPr marL="342900" indent="-342900" algn="l">
+              <a:buFont typeface="Arial" panose="020B0604020202020204" pitchFamily="34" charset="0"/>
+              <a:buChar char="•"/>
+            </a:pPr>
+            <a:r>
+              <a:rPr lang="it-IT" sz="2400" dirty="0"/>
+              <a:t>modificare il proprio profilo</a:t>
+            </a:r>
+          </a:p>
+          <a:p>
+            <a:pPr marL="342900" indent="-342900" algn="l">
+              <a:buFont typeface="Arial" panose="020B0604020202020204" pitchFamily="34" charset="0"/>
+              <a:buChar char="•"/>
+            </a:pPr>
+            <a:r>
+              <a:rPr lang="it-IT" sz="2400" dirty="0"/>
+              <a:t>aggiornare il  proprio diario</a:t>
+            </a:r>
+          </a:p>
+          <a:p>
+            <a:pPr marL="342900" indent="-342900" algn="l">
+              <a:buFont typeface="Arial" panose="020B0604020202020204" pitchFamily="34" charset="0"/>
+              <a:buChar char="•"/>
+            </a:pPr>
+            <a:r>
+              <a:rPr lang="it-IT" sz="2400" dirty="0"/>
+              <a:t>visualizzare grafici e statistiche relativi allo storico</a:t>
+            </a:r>
+          </a:p>
+          <a:p>
+            <a:pPr algn="l"/>
+            <a:endParaRPr lang="it-IT" sz="2400" dirty="0"/>
+          </a:p>
+        </p:txBody>
+      </p:sp>
+    </p:spTree>
+    <p:extLst>
+      <p:ext uri="{BB962C8B-B14F-4D97-AF65-F5344CB8AC3E}">
+        <p14:creationId xmlns:p14="http://schemas.microsoft.com/office/powerpoint/2010/main" val="2838852163"/>
+      </p:ext>
+    </p:extLst>
+  </p:cSld>
+  <p:clrMapOvr>
+    <a:masterClrMapping/>
+  </p:clrMapOvr>
+</p:sld>
+</file>
+
+<file path=ppt/slides/slide6.xml><?xml version="1.0" encoding="utf-8"?>
+<p:sld xmlns:a="http://schemas.openxmlformats.org/drawingml/2006/main" xmlns:r="http://schemas.openxmlformats.org/officeDocument/2006/relationships" xmlns:p="http://schemas.openxmlformats.org/presentationml/2006/main">
+  <p:cSld>
+    <p:spTree>
+      <p:nvGrpSpPr>
+        <p:cNvPr id="1" name=""/>
+        <p:cNvGrpSpPr/>
+        <p:nvPr/>
+      </p:nvGrpSpPr>
+      <p:grpSpPr>
+        <a:xfrm>
+          <a:off x="0" y="0"/>
+          <a:ext cx="0" cy="0"/>
+          <a:chOff x="0" y="0"/>
+          <a:chExt cx="0" cy="0"/>
+        </a:xfrm>
+      </p:grpSpPr>
+      <p:sp>
+        <p:nvSpPr>
           <p:cNvPr id="4" name="CasellaDiTesto 3">
             <a:extLst>
               <a:ext uri="{FF2B5EF4-FFF2-40B4-BE49-F238E27FC236}">
@@ -4943,7 +5213,7 @@
 </p:sld>
 </file>
 
-<file path=ppt/slides/slide6.xml><?xml version="1.0" encoding="utf-8"?>
+<file path=ppt/slides/slide7.xml><?xml version="1.0" encoding="utf-8"?>
 <p:sld xmlns:a="http://schemas.openxmlformats.org/drawingml/2006/main" xmlns:r="http://schemas.openxmlformats.org/officeDocument/2006/relationships" xmlns:p="http://schemas.openxmlformats.org/presentationml/2006/main">
   <p:cSld>
     <p:spTree>
